--- a/Final_project_Report_V1.0.pptx
+++ b/Final_project_Report_V1.0.pptx
@@ -145,6 +145,11 @@
       </a:defRPr>
     </a:lvl9pPr>
   </p:defaultTextStyle>
+  <p:extLst>
+    <p:ext uri="{EFAFB233-063F-42B5-8137-9DF3F51BA10A}">
+      <p15:sldGuideLst xmlns:p15="http://schemas.microsoft.com/office/powerpoint/2012/main"/>
+    </p:ext>
+  </p:extLst>
 </p:presentation>
 </file>
 
@@ -23168,7 +23173,7 @@
         <p:spPr>
           <a:xfrm>
             <a:off x="1176019" y="5000396"/>
-            <a:ext cx="9213215" cy="1792735"/>
+            <a:ext cx="11080636" cy="1792735"/>
           </a:xfrm>
           <a:prstGeom prst="rect">
             <a:avLst/>
@@ -23195,7 +23200,7 @@
                 </a:solidFill>
                 <a:latin typeface="Carlito"/>
               </a:rPr>
-              <a:t>When we compare the accuracy of the different algorithms: Logistic Regression, Support Vector Machine methods, they all preformed the same </a:t>
+              <a:t>When we compare the accuracy, Jaccard index metric, F1-score of the different algorithms: Logistic Regression, Support Vector Machine methods, they all preformed the same </a:t>
             </a:r>
             <a:r>
               <a:rPr sz="1600" spc="-5" dirty="0">
@@ -23218,24 +23223,114 @@
               <a:t>test set </a:t>
             </a:r>
             <a:r>
-              <a:rPr sz="1600" spc="-15" dirty="0">
+              <a:rPr lang="fr-FR" sz="1600" spc="-20" dirty="0" err="1">
                 <a:solidFill>
                   <a:srgbClr val="FFFFFF"/>
                 </a:solidFill>
                 <a:latin typeface="Carlito"/>
                 <a:cs typeface="Carlito"/>
               </a:rPr>
-              <a:t>at </a:t>
-            </a:r>
-            <a:r>
-              <a:rPr sz="1600" spc="-20" dirty="0">
+              <a:t>except</a:t>
+            </a:r>
+            <a:r>
+              <a:rPr lang="fr-FR" sz="1600" spc="-20" dirty="0">
                 <a:solidFill>
                   <a:srgbClr val="FFFFFF"/>
                 </a:solidFill>
                 <a:latin typeface="Carlito"/>
                 <a:cs typeface="Carlito"/>
               </a:rPr>
-              <a:t>83.33% </a:t>
+              <a:t> the </a:t>
+            </a:r>
+            <a:r>
+              <a:rPr lang="fr-FR" sz="1600" spc="-20" dirty="0" err="1">
+                <a:solidFill>
+                  <a:srgbClr val="FFFFFF"/>
+                </a:solidFill>
+                <a:latin typeface="Carlito"/>
+                <a:cs typeface="Carlito"/>
+              </a:rPr>
+              <a:t>Decision</a:t>
+            </a:r>
+            <a:r>
+              <a:rPr lang="fr-FR" sz="1600" spc="-20" dirty="0">
+                <a:solidFill>
+                  <a:srgbClr val="FFFFFF"/>
+                </a:solidFill>
+                <a:latin typeface="Carlito"/>
+                <a:cs typeface="Carlito"/>
+              </a:rPr>
+              <a:t> </a:t>
+            </a:r>
+            <a:r>
+              <a:rPr lang="fr-FR" sz="1600" spc="-20" dirty="0" err="1">
+                <a:solidFill>
+                  <a:srgbClr val="FFFFFF"/>
+                </a:solidFill>
+                <a:latin typeface="Carlito"/>
+                <a:cs typeface="Carlito"/>
+              </a:rPr>
+              <a:t>Tree</a:t>
+            </a:r>
+            <a:r>
+              <a:rPr lang="fr-FR" sz="1600" spc="-20">
+                <a:solidFill>
+                  <a:srgbClr val="FFFFFF"/>
+                </a:solidFill>
+                <a:latin typeface="Carlito"/>
+                <a:cs typeface="Carlito"/>
+              </a:rPr>
+              <a:t> model </a:t>
+            </a:r>
+            <a:r>
+              <a:rPr lang="fr-FR" sz="1600" spc="-20" dirty="0">
+                <a:solidFill>
+                  <a:srgbClr val="FFFFFF"/>
+                </a:solidFill>
+                <a:latin typeface="Carlito"/>
+                <a:cs typeface="Carlito"/>
+              </a:rPr>
+              <a:t>which </a:t>
+            </a:r>
+            <a:r>
+              <a:rPr lang="fr-FR" sz="1600" spc="-20" dirty="0" err="1">
+                <a:solidFill>
+                  <a:srgbClr val="FFFFFF"/>
+                </a:solidFill>
+                <a:latin typeface="Carlito"/>
+                <a:cs typeface="Carlito"/>
+              </a:rPr>
+              <a:t>performed</a:t>
+            </a:r>
+            <a:r>
+              <a:rPr lang="fr-FR" sz="1600" spc="-20" dirty="0">
+                <a:solidFill>
+                  <a:srgbClr val="FFFFFF"/>
+                </a:solidFill>
+                <a:latin typeface="Carlito"/>
+                <a:cs typeface="Carlito"/>
+              </a:rPr>
+              <a:t> </a:t>
+            </a:r>
+            <a:r>
+              <a:rPr lang="fr-FR" sz="1600" spc="-20" dirty="0" err="1">
+                <a:solidFill>
+                  <a:srgbClr val="FFFFFF"/>
+                </a:solidFill>
+                <a:latin typeface="Carlito"/>
+                <a:cs typeface="Carlito"/>
+              </a:rPr>
+              <a:t>worse</a:t>
+            </a:r>
+            <a:r>
+              <a:rPr lang="fr-FR" sz="1600" spc="-20" dirty="0">
+                <a:solidFill>
+                  <a:srgbClr val="FFFFFF"/>
+                </a:solidFill>
+                <a:latin typeface="Carlito"/>
+                <a:cs typeface="Carlito"/>
+              </a:rPr>
+              <a:t> on the data set</a:t>
             </a:r>
             <a:r>
               <a:rPr sz="1600" spc="-45" dirty="0">
@@ -23245,7 +23340,7 @@
                 <a:latin typeface="Carlito"/>
                 <a:cs typeface="Carlito"/>
               </a:rPr>
-              <a:t>accuracy. </a:t>
+              <a:t>. </a:t>
             </a:r>
             <a:endParaRPr lang="fr-FR" sz="1600" spc="-45" dirty="0">
               <a:solidFill>
@@ -23282,7 +23377,7 @@
                 <a:effectLst/>
                 <a:latin typeface="Söhne"/>
               </a:rPr>
-              <a:t>The sample size for the test is only 18, which is relatively small. Therefore, it is essential to gather more data to improve the accuracy of the model and determine the most suitable one.</a:t>
+              <a:t>The sample size for the test is only 18, which is relatively small. Therefore, it is essential to gather more data to improve the different accuracy metrics of the model and determine the most suitable one.</a:t>
             </a:r>
             <a:endParaRPr sz="1600" dirty="0">
               <a:solidFill>
@@ -23296,10 +23391,10 @@
       </p:sp>
       <p:pic>
         <p:nvPicPr>
-          <p:cNvPr id="10" name="Image 9">
+          <p:cNvPr id="9" name="Image 8">
             <a:extLst>
               <a:ext uri="{FF2B5EF4-FFF2-40B4-BE49-F238E27FC236}">
-                <a16:creationId xmlns:a16="http://schemas.microsoft.com/office/drawing/2014/main" id="{9D876540-7A09-0725-83AF-481BC0C7E7A0}"/>
+                <a16:creationId xmlns:a16="http://schemas.microsoft.com/office/drawing/2014/main" id="{F2CB3CCC-ED64-B238-3B4B-9B3CB7B318CE}"/>
               </a:ext>
             </a:extLst>
           </p:cNvPr>
@@ -23316,8 +23411,8 @@
         </p:blipFill>
         <p:spPr>
           <a:xfrm>
-            <a:off x="3180396" y="838200"/>
-            <a:ext cx="5072547" cy="3743526"/>
+            <a:off x="2954048" y="853673"/>
+            <a:ext cx="6280728" cy="4060494"/>
           </a:xfrm>
           <a:prstGeom prst="rect">
             <a:avLst/>
